--- a/chinavis2022_survey/Images/tabulartextdata2.pptx
+++ b/chinavis2022_survey/Images/tabulartextdata2.pptx
@@ -104,6 +104,11 @@
       </a:defRPr>
     </a:lvl9pPr>
   </p:defaultTextStyle>
+  <p:extLst>
+    <p:ext uri="{EFAFB233-063F-42B5-8137-9DF3F51BA10A}">
+      <p15:sldGuideLst xmlns:p15="http://schemas.microsoft.com/office/powerpoint/2012/main"/>
+    </p:ext>
+  </p:extLst>
 </p:presentation>
 </file>
 
@@ -238,7 +243,7 @@
           <a:p>
             <a:fld id="{FF251477-C453-4C44-B410-F760E043C824}" type="datetimeFigureOut">
               <a:rPr lang="zh-CN" altLang="en-US" smtClean="0"/>
-              <a:t>2022/5/11</a:t>
+              <a:t>2022/5/14</a:t>
             </a:fld>
             <a:endParaRPr lang="zh-CN" altLang="en-US"/>
           </a:p>
@@ -408,7 +413,7 @@
           <a:p>
             <a:fld id="{FF251477-C453-4C44-B410-F760E043C824}" type="datetimeFigureOut">
               <a:rPr lang="zh-CN" altLang="en-US" smtClean="0"/>
-              <a:t>2022/5/11</a:t>
+              <a:t>2022/5/14</a:t>
             </a:fld>
             <a:endParaRPr lang="zh-CN" altLang="en-US"/>
           </a:p>
@@ -588,7 +593,7 @@
           <a:p>
             <a:fld id="{FF251477-C453-4C44-B410-F760E043C824}" type="datetimeFigureOut">
               <a:rPr lang="zh-CN" altLang="en-US" smtClean="0"/>
-              <a:t>2022/5/11</a:t>
+              <a:t>2022/5/14</a:t>
             </a:fld>
             <a:endParaRPr lang="zh-CN" altLang="en-US"/>
           </a:p>
@@ -758,7 +763,7 @@
           <a:p>
             <a:fld id="{FF251477-C453-4C44-B410-F760E043C824}" type="datetimeFigureOut">
               <a:rPr lang="zh-CN" altLang="en-US" smtClean="0"/>
-              <a:t>2022/5/11</a:t>
+              <a:t>2022/5/14</a:t>
             </a:fld>
             <a:endParaRPr lang="zh-CN" altLang="en-US"/>
           </a:p>
@@ -1004,7 +1009,7 @@
           <a:p>
             <a:fld id="{FF251477-C453-4C44-B410-F760E043C824}" type="datetimeFigureOut">
               <a:rPr lang="zh-CN" altLang="en-US" smtClean="0"/>
-              <a:t>2022/5/11</a:t>
+              <a:t>2022/5/14</a:t>
             </a:fld>
             <a:endParaRPr lang="zh-CN" altLang="en-US"/>
           </a:p>
@@ -1236,7 +1241,7 @@
           <a:p>
             <a:fld id="{FF251477-C453-4C44-B410-F760E043C824}" type="datetimeFigureOut">
               <a:rPr lang="zh-CN" altLang="en-US" smtClean="0"/>
-              <a:t>2022/5/11</a:t>
+              <a:t>2022/5/14</a:t>
             </a:fld>
             <a:endParaRPr lang="zh-CN" altLang="en-US"/>
           </a:p>
@@ -1603,7 +1608,7 @@
           <a:p>
             <a:fld id="{FF251477-C453-4C44-B410-F760E043C824}" type="datetimeFigureOut">
               <a:rPr lang="zh-CN" altLang="en-US" smtClean="0"/>
-              <a:t>2022/5/11</a:t>
+              <a:t>2022/5/14</a:t>
             </a:fld>
             <a:endParaRPr lang="zh-CN" altLang="en-US"/>
           </a:p>
@@ -1721,7 +1726,7 @@
           <a:p>
             <a:fld id="{FF251477-C453-4C44-B410-F760E043C824}" type="datetimeFigureOut">
               <a:rPr lang="zh-CN" altLang="en-US" smtClean="0"/>
-              <a:t>2022/5/11</a:t>
+              <a:t>2022/5/14</a:t>
             </a:fld>
             <a:endParaRPr lang="zh-CN" altLang="en-US"/>
           </a:p>
@@ -1816,7 +1821,7 @@
           <a:p>
             <a:fld id="{FF251477-C453-4C44-B410-F760E043C824}" type="datetimeFigureOut">
               <a:rPr lang="zh-CN" altLang="en-US" smtClean="0"/>
-              <a:t>2022/5/11</a:t>
+              <a:t>2022/5/14</a:t>
             </a:fld>
             <a:endParaRPr lang="zh-CN" altLang="en-US"/>
           </a:p>
@@ -2093,7 +2098,7 @@
           <a:p>
             <a:fld id="{FF251477-C453-4C44-B410-F760E043C824}" type="datetimeFigureOut">
               <a:rPr lang="zh-CN" altLang="en-US" smtClean="0"/>
-              <a:t>2022/5/11</a:t>
+              <a:t>2022/5/14</a:t>
             </a:fld>
             <a:endParaRPr lang="zh-CN" altLang="en-US"/>
           </a:p>
@@ -2350,7 +2355,7 @@
           <a:p>
             <a:fld id="{FF251477-C453-4C44-B410-F760E043C824}" type="datetimeFigureOut">
               <a:rPr lang="zh-CN" altLang="en-US" smtClean="0"/>
-              <a:t>2022/5/11</a:t>
+              <a:t>2022/5/14</a:t>
             </a:fld>
             <a:endParaRPr lang="zh-CN" altLang="en-US"/>
           </a:p>
@@ -2563,7 +2568,7 @@
           <a:p>
             <a:fld id="{FF251477-C453-4C44-B410-F760E043C824}" type="datetimeFigureOut">
               <a:rPr lang="zh-CN" altLang="en-US" smtClean="0"/>
-              <a:t>2022/5/11</a:t>
+              <a:t>2022/5/14</a:t>
             </a:fld>
             <a:endParaRPr lang="zh-CN" altLang="en-US"/>
           </a:p>
@@ -2968,64 +2973,12 @@
           <a:chExt cx="0" cy="0"/>
         </a:xfrm>
       </p:grpSpPr>
-      <p:sp>
-        <p:nvSpPr>
-          <p:cNvPr id="4" name="矩形 3">
+      <p:pic>
+        <p:nvPicPr>
+          <p:cNvPr id="1032" name="Picture 8">
             <a:extLst>
               <a:ext uri="{FF2B5EF4-FFF2-40B4-BE49-F238E27FC236}">
-                <a16:creationId xmlns:a16="http://schemas.microsoft.com/office/drawing/2014/main" id="{1D05C6C7-2C96-C636-F072-FB4B66054576}"/>
-              </a:ext>
-            </a:extLst>
-          </p:cNvPr>
-          <p:cNvSpPr/>
-          <p:nvPr/>
-        </p:nvSpPr>
-        <p:spPr>
-          <a:xfrm>
-            <a:off x="82550" y="175419"/>
-            <a:ext cx="8989070" cy="4629149"/>
-          </a:xfrm>
-          <a:prstGeom prst="rect">
-            <a:avLst/>
-          </a:prstGeom>
-          <a:noFill/>
-          <a:ln w="38100">
-            <a:solidFill>
-              <a:schemeClr val="tx1"/>
-            </a:solidFill>
-          </a:ln>
-        </p:spPr>
-        <p:style>
-          <a:lnRef idx="2">
-            <a:schemeClr val="accent1">
-              <a:shade val="50000"/>
-            </a:schemeClr>
-          </a:lnRef>
-          <a:fillRef idx="1">
-            <a:schemeClr val="accent1"/>
-          </a:fillRef>
-          <a:effectRef idx="0">
-            <a:schemeClr val="accent1"/>
-          </a:effectRef>
-          <a:fontRef idx="minor">
-            <a:schemeClr val="lt1"/>
-          </a:fontRef>
-        </p:style>
-        <p:txBody>
-          <a:bodyPr rtlCol="0" anchor="ctr"/>
-          <a:lstStyle/>
-          <a:p>
-            <a:pPr algn="ctr"/>
-            <a:endParaRPr lang="zh-CN" altLang="en-US"/>
-          </a:p>
-        </p:txBody>
-      </p:sp>
-      <p:pic>
-        <p:nvPicPr>
-          <p:cNvPr id="1026" name="Picture 2">
-            <a:extLst>
-              <a:ext uri="{FF2B5EF4-FFF2-40B4-BE49-F238E27FC236}">
-                <a16:creationId xmlns:a16="http://schemas.microsoft.com/office/drawing/2014/main" id="{995F6161-769F-F8B2-9F4B-D40A5EE95D60}"/>
+                <a16:creationId xmlns:a16="http://schemas.microsoft.com/office/drawing/2014/main" id="{97C78FD0-D4D0-EA7D-7EC2-B8E6D5DB5E2D}"/>
               </a:ext>
             </a:extLst>
           </p:cNvPr>
@@ -3049,8 +3002,152 @@
         </p:blipFill>
         <p:spPr bwMode="auto">
           <a:xfrm>
-            <a:off x="135881" y="237238"/>
-            <a:ext cx="4893505" cy="2355849"/>
+            <a:off x="150515" y="2609836"/>
+            <a:ext cx="5178507" cy="2166702"/>
+          </a:xfrm>
+          <a:prstGeom prst="rect">
+            <a:avLst/>
+          </a:prstGeom>
+          <a:noFill/>
+          <a:extLst>
+            <a:ext uri="{909E8E84-426E-40DD-AFC4-6F175D3DCCD1}">
+              <a14:hiddenFill xmlns:a14="http://schemas.microsoft.com/office/drawing/2010/main">
+                <a:solidFill>
+                  <a:srgbClr val="FFFFFF"/>
+                </a:solidFill>
+              </a14:hiddenFill>
+            </a:ext>
+          </a:extLst>
+        </p:spPr>
+      </p:pic>
+      <p:pic>
+        <p:nvPicPr>
+          <p:cNvPr id="1030" name="Picture 6">
+            <a:extLst>
+              <a:ext uri="{FF2B5EF4-FFF2-40B4-BE49-F238E27FC236}">
+                <a16:creationId xmlns:a16="http://schemas.microsoft.com/office/drawing/2014/main" id="{7D590ECD-29A4-CB38-0BF8-C7934DA4C77B}"/>
+              </a:ext>
+            </a:extLst>
+          </p:cNvPr>
+          <p:cNvPicPr>
+            <a:picLocks noChangeAspect="1" noChangeArrowheads="1"/>
+          </p:cNvPicPr>
+          <p:nvPr/>
+        </p:nvPicPr>
+        <p:blipFill>
+          <a:blip r:embed="rId3">
+            <a:extLst>
+              <a:ext uri="{28A0092B-C50C-407E-A947-70E740481C1C}">
+                <a14:useLocalDpi xmlns:a14="http://schemas.microsoft.com/office/drawing/2010/main" val="0"/>
+              </a:ext>
+            </a:extLst>
+          </a:blip>
+          <a:srcRect/>
+          <a:stretch>
+            <a:fillRect/>
+          </a:stretch>
+        </p:blipFill>
+        <p:spPr bwMode="auto">
+          <a:xfrm>
+            <a:off x="4971927" y="206997"/>
+            <a:ext cx="4087118" cy="2303261"/>
+          </a:xfrm>
+          <a:prstGeom prst="rect">
+            <a:avLst/>
+          </a:prstGeom>
+          <a:noFill/>
+          <a:extLst>
+            <a:ext uri="{909E8E84-426E-40DD-AFC4-6F175D3DCCD1}">
+              <a14:hiddenFill xmlns:a14="http://schemas.microsoft.com/office/drawing/2010/main">
+                <a:solidFill>
+                  <a:srgbClr val="FFFFFF"/>
+                </a:solidFill>
+              </a14:hiddenFill>
+            </a:ext>
+          </a:extLst>
+        </p:spPr>
+      </p:pic>
+      <p:sp>
+        <p:nvSpPr>
+          <p:cNvPr id="4" name="矩形 3">
+            <a:extLst>
+              <a:ext uri="{FF2B5EF4-FFF2-40B4-BE49-F238E27FC236}">
+                <a16:creationId xmlns:a16="http://schemas.microsoft.com/office/drawing/2014/main" id="{1D05C6C7-2C96-C636-F072-FB4B66054576}"/>
+              </a:ext>
+            </a:extLst>
+          </p:cNvPr>
+          <p:cNvSpPr/>
+          <p:nvPr/>
+        </p:nvSpPr>
+        <p:spPr>
+          <a:xfrm>
+            <a:off x="82550" y="175419"/>
+            <a:ext cx="8989070" cy="4629149"/>
+          </a:xfrm>
+          <a:prstGeom prst="rect">
+            <a:avLst/>
+          </a:prstGeom>
+          <a:noFill/>
+          <a:ln w="57150">
+            <a:solidFill>
+              <a:schemeClr val="tx1"/>
+            </a:solidFill>
+          </a:ln>
+        </p:spPr>
+        <p:style>
+          <a:lnRef idx="2">
+            <a:schemeClr val="accent1">
+              <a:shade val="50000"/>
+            </a:schemeClr>
+          </a:lnRef>
+          <a:fillRef idx="1">
+            <a:schemeClr val="accent1"/>
+          </a:fillRef>
+          <a:effectRef idx="0">
+            <a:schemeClr val="accent1"/>
+          </a:effectRef>
+          <a:fontRef idx="minor">
+            <a:schemeClr val="lt1"/>
+          </a:fontRef>
+        </p:style>
+        <p:txBody>
+          <a:bodyPr rtlCol="0" anchor="ctr"/>
+          <a:lstStyle/>
+          <a:p>
+            <a:pPr algn="ctr"/>
+            <a:endParaRPr lang="zh-CN" altLang="en-US"/>
+          </a:p>
+        </p:txBody>
+      </p:sp>
+      <p:pic>
+        <p:nvPicPr>
+          <p:cNvPr id="1026" name="Picture 2">
+            <a:extLst>
+              <a:ext uri="{FF2B5EF4-FFF2-40B4-BE49-F238E27FC236}">
+                <a16:creationId xmlns:a16="http://schemas.microsoft.com/office/drawing/2014/main" id="{995F6161-769F-F8B2-9F4B-D40A5EE95D60}"/>
+              </a:ext>
+            </a:extLst>
+          </p:cNvPr>
+          <p:cNvPicPr>
+            <a:picLocks noChangeAspect="1" noChangeArrowheads="1"/>
+          </p:cNvPicPr>
+          <p:nvPr/>
+        </p:nvPicPr>
+        <p:blipFill rotWithShape="1">
+          <a:blip r:embed="rId4">
+            <a:extLst>
+              <a:ext uri="{28A0092B-C50C-407E-A947-70E740481C1C}">
+                <a14:useLocalDpi xmlns:a14="http://schemas.microsoft.com/office/drawing/2010/main" val="0"/>
+              </a:ext>
+            </a:extLst>
+          </a:blip>
+          <a:srcRect l="4597" t="3504" r="2863" b="2758"/>
+          <a:stretch/>
+        </p:blipFill>
+        <p:spPr bwMode="auto">
+          <a:xfrm>
+            <a:off x="135685" y="224090"/>
+            <a:ext cx="4753629" cy="2318090"/>
           </a:xfrm>
           <a:prstGeom prst="rect">
             <a:avLst/>
@@ -3082,7 +3179,7 @@
           <p:nvPr/>
         </p:nvPicPr>
         <p:blipFill rotWithShape="1">
-          <a:blip r:embed="rId3">
+          <a:blip r:embed="rId5">
             <a:extLst>
               <a:ext uri="{28A0092B-C50C-407E-A947-70E740481C1C}">
                 <a14:useLocalDpi xmlns:a14="http://schemas.microsoft.com/office/drawing/2010/main" val="0"/>
@@ -3094,102 +3191,8 @@
         </p:blipFill>
         <p:spPr bwMode="auto">
           <a:xfrm>
-            <a:off x="5469104" y="2593087"/>
-            <a:ext cx="3576935" cy="2174800"/>
-          </a:xfrm>
-          <a:prstGeom prst="rect">
-            <a:avLst/>
-          </a:prstGeom>
-          <a:noFill/>
-          <a:extLst>
-            <a:ext uri="{909E8E84-426E-40DD-AFC4-6F175D3DCCD1}">
-              <a14:hiddenFill xmlns:a14="http://schemas.microsoft.com/office/drawing/2010/main">
-                <a:solidFill>
-                  <a:srgbClr val="FFFFFF"/>
-                </a:solidFill>
-              </a14:hiddenFill>
-            </a:ext>
-          </a:extLst>
-        </p:spPr>
-      </p:pic>
-      <p:pic>
-        <p:nvPicPr>
-          <p:cNvPr id="1030" name="Picture 6">
-            <a:extLst>
-              <a:ext uri="{FF2B5EF4-FFF2-40B4-BE49-F238E27FC236}">
-                <a16:creationId xmlns:a16="http://schemas.microsoft.com/office/drawing/2014/main" id="{7D590ECD-29A4-CB38-0BF8-C7934DA4C77B}"/>
-              </a:ext>
-            </a:extLst>
-          </p:cNvPr>
-          <p:cNvPicPr>
-            <a:picLocks noChangeAspect="1" noChangeArrowheads="1"/>
-          </p:cNvPicPr>
-          <p:nvPr/>
-        </p:nvPicPr>
-        <p:blipFill>
-          <a:blip r:embed="rId4">
-            <a:extLst>
-              <a:ext uri="{28A0092B-C50C-407E-A947-70E740481C1C}">
-                <a14:useLocalDpi xmlns:a14="http://schemas.microsoft.com/office/drawing/2010/main" val="0"/>
-              </a:ext>
-            </a:extLst>
-          </a:blip>
-          <a:srcRect/>
-          <a:stretch>
-            <a:fillRect/>
-          </a:stretch>
-        </p:blipFill>
-        <p:spPr bwMode="auto">
-          <a:xfrm>
-            <a:off x="5029386" y="238919"/>
-            <a:ext cx="4033951" cy="2273299"/>
-          </a:xfrm>
-          <a:prstGeom prst="rect">
-            <a:avLst/>
-          </a:prstGeom>
-          <a:noFill/>
-          <a:extLst>
-            <a:ext uri="{909E8E84-426E-40DD-AFC4-6F175D3DCCD1}">
-              <a14:hiddenFill xmlns:a14="http://schemas.microsoft.com/office/drawing/2010/main">
-                <a:solidFill>
-                  <a:srgbClr val="FFFFFF"/>
-                </a:solidFill>
-              </a14:hiddenFill>
-            </a:ext>
-          </a:extLst>
-        </p:spPr>
-      </p:pic>
-      <p:pic>
-        <p:nvPicPr>
-          <p:cNvPr id="1032" name="Picture 8">
-            <a:extLst>
-              <a:ext uri="{FF2B5EF4-FFF2-40B4-BE49-F238E27FC236}">
-                <a16:creationId xmlns:a16="http://schemas.microsoft.com/office/drawing/2014/main" id="{97C78FD0-D4D0-EA7D-7EC2-B8E6D5DB5E2D}"/>
-              </a:ext>
-            </a:extLst>
-          </p:cNvPr>
-          <p:cNvPicPr>
-            <a:picLocks noChangeAspect="1" noChangeArrowheads="1"/>
-          </p:cNvPicPr>
-          <p:nvPr/>
-        </p:nvPicPr>
-        <p:blipFill>
-          <a:blip r:embed="rId5">
-            <a:extLst>
-              <a:ext uri="{28A0092B-C50C-407E-A947-70E740481C1C}">
-                <a14:useLocalDpi xmlns:a14="http://schemas.microsoft.com/office/drawing/2010/main" val="0"/>
-              </a:ext>
-            </a:extLst>
-          </a:blip>
-          <a:srcRect/>
-          <a:stretch>
-            <a:fillRect/>
-          </a:stretch>
-        </p:blipFill>
-        <p:spPr bwMode="auto">
-          <a:xfrm>
-            <a:off x="150515" y="2643887"/>
-            <a:ext cx="5088236" cy="2128932"/>
+            <a:off x="5338908" y="2593087"/>
+            <a:ext cx="3717018" cy="2174800"/>
           </a:xfrm>
           <a:prstGeom prst="rect">
             <a:avLst/>
@@ -3337,10 +3340,10 @@
       </p:cxnSp>
       <p:sp>
         <p:nvSpPr>
-          <p:cNvPr id="14" name="椭圆 13">
+          <p:cNvPr id="2" name="矩形 1">
             <a:extLst>
               <a:ext uri="{FF2B5EF4-FFF2-40B4-BE49-F238E27FC236}">
-                <a16:creationId xmlns:a16="http://schemas.microsoft.com/office/drawing/2014/main" id="{505619A9-79C7-B5C8-1F4F-395659A9477E}"/>
+                <a16:creationId xmlns:a16="http://schemas.microsoft.com/office/drawing/2014/main" id="{70404D7D-5905-5D43-64EB-1E66E79C9D7D}"/>
               </a:ext>
             </a:extLst>
           </p:cNvPr>
@@ -3349,10 +3352,10 @@
         </p:nvSpPr>
         <p:spPr>
           <a:xfrm>
-            <a:off x="193027" y="2078928"/>
-            <a:ext cx="387347" cy="387347"/>
+            <a:off x="92152" y="2081796"/>
+            <a:ext cx="491087" cy="491087"/>
           </a:xfrm>
-          <a:prstGeom prst="ellipse">
+          <a:prstGeom prst="rect">
             <a:avLst/>
           </a:prstGeom>
           <a:solidFill>
@@ -3386,27 +3389,31 @@
           <a:p>
             <a:pPr algn="ctr"/>
             <a:r>
-              <a:rPr lang="en-US" altLang="zh-CN" sz="3200" dirty="0">
+              <a:rPr lang="en-US" altLang="zh-CN" sz="3600" dirty="0">
                 <a:solidFill>
                   <a:schemeClr val="tx1"/>
                 </a:solidFill>
+                <a:latin typeface="Times New Roman" panose="02020603050405020304" pitchFamily="18" charset="0"/>
+                <a:cs typeface="Times New Roman" panose="02020603050405020304" pitchFamily="18" charset="0"/>
               </a:rPr>
               <a:t>1</a:t>
             </a:r>
-            <a:endParaRPr lang="zh-CN" altLang="en-US" sz="3200" dirty="0">
+            <a:endParaRPr lang="zh-CN" altLang="en-US" sz="3600" dirty="0">
               <a:solidFill>
                 <a:schemeClr val="tx1"/>
               </a:solidFill>
+              <a:latin typeface="Times New Roman" panose="02020603050405020304" pitchFamily="18" charset="0"/>
+              <a:cs typeface="Times New Roman" panose="02020603050405020304" pitchFamily="18" charset="0"/>
             </a:endParaRPr>
           </a:p>
         </p:txBody>
       </p:sp>
       <p:sp>
         <p:nvSpPr>
-          <p:cNvPr id="20" name="椭圆 19">
+          <p:cNvPr id="15" name="矩形 14">
             <a:extLst>
               <a:ext uri="{FF2B5EF4-FFF2-40B4-BE49-F238E27FC236}">
-                <a16:creationId xmlns:a16="http://schemas.microsoft.com/office/drawing/2014/main" id="{D5DF9D26-4006-9C94-98F8-3757EFAECD2D}"/>
+                <a16:creationId xmlns:a16="http://schemas.microsoft.com/office/drawing/2014/main" id="{6B684E99-5385-A7B7-B1E7-6AE504400BCE}"/>
               </a:ext>
             </a:extLst>
           </p:cNvPr>
@@ -3415,10 +3422,10 @@
         </p:nvSpPr>
         <p:spPr>
           <a:xfrm>
-            <a:off x="5069828" y="2102647"/>
-            <a:ext cx="387347" cy="387347"/>
+            <a:off x="4958321" y="2085814"/>
+            <a:ext cx="491084" cy="491084"/>
           </a:xfrm>
-          <a:prstGeom prst="ellipse">
+          <a:prstGeom prst="rect">
             <a:avLst/>
           </a:prstGeom>
           <a:solidFill>
@@ -3452,27 +3459,31 @@
           <a:p>
             <a:pPr algn="ctr"/>
             <a:r>
-              <a:rPr lang="en-US" altLang="zh-CN" sz="3200" dirty="0">
+              <a:rPr lang="en-US" altLang="zh-CN" sz="3600" dirty="0">
                 <a:solidFill>
                   <a:schemeClr val="tx1"/>
                 </a:solidFill>
+                <a:latin typeface="Times New Roman" panose="02020603050405020304" pitchFamily="18" charset="0"/>
+                <a:cs typeface="Times New Roman" panose="02020603050405020304" pitchFamily="18" charset="0"/>
               </a:rPr>
               <a:t>2</a:t>
             </a:r>
-            <a:endParaRPr lang="zh-CN" altLang="en-US" sz="3200" dirty="0">
+            <a:endParaRPr lang="zh-CN" altLang="en-US" sz="3600" dirty="0">
               <a:solidFill>
                 <a:schemeClr val="tx1"/>
               </a:solidFill>
+              <a:latin typeface="Times New Roman" panose="02020603050405020304" pitchFamily="18" charset="0"/>
+              <a:cs typeface="Times New Roman" panose="02020603050405020304" pitchFamily="18" charset="0"/>
             </a:endParaRPr>
           </a:p>
         </p:txBody>
       </p:sp>
       <p:sp>
         <p:nvSpPr>
-          <p:cNvPr id="21" name="椭圆 20">
+          <p:cNvPr id="16" name="矩形 15">
             <a:extLst>
               <a:ext uri="{FF2B5EF4-FFF2-40B4-BE49-F238E27FC236}">
-                <a16:creationId xmlns:a16="http://schemas.microsoft.com/office/drawing/2014/main" id="{EE488B01-7122-16F8-FCEC-7EEF3FA3FEFD}"/>
+                <a16:creationId xmlns:a16="http://schemas.microsoft.com/office/drawing/2014/main" id="{D00305CD-E7A1-974A-323E-2694BC808289}"/>
               </a:ext>
             </a:extLst>
           </p:cNvPr>
@@ -3481,10 +3492,10 @@
         </p:nvSpPr>
         <p:spPr>
           <a:xfrm>
-            <a:off x="195550" y="4336354"/>
-            <a:ext cx="387347" cy="387347"/>
+            <a:off x="92151" y="4311823"/>
+            <a:ext cx="491087" cy="491087"/>
           </a:xfrm>
-          <a:prstGeom prst="ellipse">
+          <a:prstGeom prst="rect">
             <a:avLst/>
           </a:prstGeom>
           <a:solidFill>
@@ -3518,27 +3529,31 @@
           <a:p>
             <a:pPr algn="ctr"/>
             <a:r>
-              <a:rPr lang="en-US" altLang="zh-CN" sz="3200" dirty="0">
+              <a:rPr lang="en-US" altLang="zh-CN" sz="3600" dirty="0">
                 <a:solidFill>
                   <a:schemeClr val="tx1"/>
                 </a:solidFill>
+                <a:latin typeface="Times New Roman" panose="02020603050405020304" pitchFamily="18" charset="0"/>
+                <a:cs typeface="Times New Roman" panose="02020603050405020304" pitchFamily="18" charset="0"/>
               </a:rPr>
               <a:t>3</a:t>
             </a:r>
-            <a:endParaRPr lang="zh-CN" altLang="en-US" sz="3200" dirty="0">
+            <a:endParaRPr lang="zh-CN" altLang="en-US" sz="3600" dirty="0">
               <a:solidFill>
                 <a:schemeClr val="tx1"/>
               </a:solidFill>
+              <a:latin typeface="Times New Roman" panose="02020603050405020304" pitchFamily="18" charset="0"/>
+              <a:cs typeface="Times New Roman" panose="02020603050405020304" pitchFamily="18" charset="0"/>
             </a:endParaRPr>
           </a:p>
         </p:txBody>
       </p:sp>
       <p:sp>
         <p:nvSpPr>
-          <p:cNvPr id="22" name="椭圆 21">
+          <p:cNvPr id="19" name="矩形 18">
             <a:extLst>
               <a:ext uri="{FF2B5EF4-FFF2-40B4-BE49-F238E27FC236}">
-                <a16:creationId xmlns:a16="http://schemas.microsoft.com/office/drawing/2014/main" id="{42E4A8A7-96AD-8FE0-BBBB-C2EF044B7EDA}"/>
+                <a16:creationId xmlns:a16="http://schemas.microsoft.com/office/drawing/2014/main" id="{90A68F86-40CB-EFE2-E95D-601EF1542338}"/>
               </a:ext>
             </a:extLst>
           </p:cNvPr>
@@ -3547,13 +3562,15 @@
         </p:nvSpPr>
         <p:spPr>
           <a:xfrm>
-            <a:off x="5574001" y="4336353"/>
-            <a:ext cx="387347" cy="387347"/>
+            <a:off x="5465945" y="4300083"/>
+            <a:ext cx="491087" cy="491087"/>
           </a:xfrm>
-          <a:prstGeom prst="ellipse">
+          <a:prstGeom prst="rect">
             <a:avLst/>
           </a:prstGeom>
-          <a:noFill/>
+          <a:solidFill>
+            <a:schemeClr val="bg1"/>
+          </a:solidFill>
           <a:ln w="38100">
             <a:solidFill>
               <a:schemeClr val="tx1"/>
@@ -3582,17 +3599,21 @@
           <a:p>
             <a:pPr algn="ctr"/>
             <a:r>
-              <a:rPr lang="en-US" altLang="zh-CN" sz="3200" dirty="0">
+              <a:rPr lang="en-US" altLang="zh-CN" sz="3600" dirty="0">
                 <a:solidFill>
                   <a:schemeClr val="tx1"/>
                 </a:solidFill>
+                <a:latin typeface="Times New Roman" panose="02020603050405020304" pitchFamily="18" charset="0"/>
+                <a:cs typeface="Times New Roman" panose="02020603050405020304" pitchFamily="18" charset="0"/>
               </a:rPr>
               <a:t>4</a:t>
             </a:r>
-            <a:endParaRPr lang="zh-CN" altLang="en-US" sz="3200" dirty="0">
+            <a:endParaRPr lang="zh-CN" altLang="en-US" sz="3600" dirty="0">
               <a:solidFill>
                 <a:schemeClr val="tx1"/>
               </a:solidFill>
+              <a:latin typeface="Times New Roman" panose="02020603050405020304" pitchFamily="18" charset="0"/>
+              <a:cs typeface="Times New Roman" panose="02020603050405020304" pitchFamily="18" charset="0"/>
             </a:endParaRPr>
           </a:p>
         </p:txBody>
